--- a/template.pptx
+++ b/template.pptx
@@ -109,6 +109,11 @@
       </a:defRPr>
     </a:lvl9pPr>
   </p:defaultTextStyle>
+  <p:extLst>
+    <p:ext uri="{EFAFB233-063F-42B5-8137-9DF3F51BA10A}">
+      <p15:sldGuideLst xmlns:p15="http://schemas.microsoft.com/office/powerpoint/2012/main"/>
+    </p:ext>
+  </p:extLst>
 </p:presentation>
 </file>
 
@@ -3889,6 +3894,59 @@
                 <a:cs typeface="Times New Roman" panose="02020603050405020304" pitchFamily="18" charset="0"/>
               </a:rPr>
               <a:t>skywalker.dell@gmail.com</a:t>
+            </a:r>
+            <a:endParaRPr lang="zh-CN" altLang="en-US" sz="2400" b="1" dirty="0">
+              <a:solidFill>
+                <a:schemeClr val="accent1">
+                  <a:lumMod val="75000"/>
+                </a:schemeClr>
+              </a:solidFill>
+              <a:latin typeface="Times New Roman" panose="02020603050405020304" pitchFamily="18" charset="0"/>
+              <a:cs typeface="Times New Roman" panose="02020603050405020304" pitchFamily="18" charset="0"/>
+            </a:endParaRPr>
+          </a:p>
+        </p:txBody>
+      </p:sp>
+      <p:sp>
+        <p:nvSpPr>
+          <p:cNvPr id="6" name="文本框 5">
+            <a:extLst>
+              <a:ext uri="{FF2B5EF4-FFF2-40B4-BE49-F238E27FC236}">
+                <a16:creationId xmlns:a16="http://schemas.microsoft.com/office/drawing/2014/main" id="{11CA40AD-71EB-4C4B-AB80-9CB99ABA6741}"/>
+              </a:ext>
+            </a:extLst>
+          </p:cNvPr>
+          <p:cNvSpPr txBox="1"/>
+          <p:nvPr/>
+        </p:nvSpPr>
+        <p:spPr>
+          <a:xfrm>
+            <a:off x="4640302" y="4589745"/>
+            <a:ext cx="2260121" cy="461665"/>
+          </a:xfrm>
+          <a:prstGeom prst="rect">
+            <a:avLst/>
+          </a:prstGeom>
+          <a:noFill/>
+        </p:spPr>
+        <p:txBody>
+          <a:bodyPr wrap="square" rtlCol="0">
+            <a:spAutoFit/>
+          </a:bodyPr>
+          <a:lstStyle/>
+          <a:p>
+            <a:pPr algn="ctr"/>
+            <a:r>
+              <a:rPr lang="en-US" altLang="zh-CN" sz="2400" b="1" dirty="0">
+                <a:solidFill>
+                  <a:schemeClr val="accent1">
+                    <a:lumMod val="75000"/>
+                  </a:schemeClr>
+                </a:solidFill>
+                <a:latin typeface="Times New Roman" panose="02020603050405020304" pitchFamily="18" charset="0"/>
+                <a:cs typeface="Times New Roman" panose="02020603050405020304" pitchFamily="18" charset="0"/>
+              </a:rPr>
+              <a:t>2022/03/27</a:t>
             </a:r>
             <a:endParaRPr lang="zh-CN" altLang="en-US" sz="2400" b="1" dirty="0">
               <a:solidFill>
